--- a/assets/photos_causal_consistency/causal_consistency_examples.pptx
+++ b/assets/photos_causal_consistency/causal_consistency_examples.pptx
@@ -7,6 +7,7 @@
   <p:sldIdLst>
     <p:sldId id="256" r:id="rId3"/>
     <p:sldId id="259" r:id="rId4"/>
+    <p:sldId id="260" r:id="rId5"/>
   </p:sldIdLst>
   <p:sldSz cx="12192000" cy="6858000"/>
   <p:notesSz cx="7103745" cy="10234295"/>
@@ -6771,6 +6772,1343 @@
 </p:sld>
 </file>
 
+<file path=ppt/slides/slide3.xml><?xml version="1.0" encoding="utf-8"?>
+<p:sld xmlns:a="http://schemas.openxmlformats.org/drawingml/2006/main" xmlns:r="http://schemas.openxmlformats.org/officeDocument/2006/relationships" xmlns:p="http://schemas.openxmlformats.org/presentationml/2006/main">
+  <p:cSld>
+    <p:spTree>
+      <p:nvGrpSpPr>
+        <p:cNvPr id="1" name=""/>
+        <p:cNvGrpSpPr/>
+        <p:nvPr/>
+      </p:nvGrpSpPr>
+      <p:grpSpPr/>
+      <p:cxnSp>
+        <p:nvCxnSpPr>
+          <p:cNvPr id="4" name="直接箭头连接符 3"/>
+          <p:cNvCxnSpPr/>
+          <p:nvPr/>
+        </p:nvCxnSpPr>
+        <p:spPr>
+          <a:xfrm>
+            <a:off x="2027555" y="2342515"/>
+            <a:ext cx="1368000" cy="3175"/>
+          </a:xfrm>
+          <a:prstGeom prst="straightConnector1">
+            <a:avLst/>
+          </a:prstGeom>
+          <a:ln w="25400">
+            <a:solidFill>
+              <a:schemeClr val="tx1"/>
+            </a:solidFill>
+            <a:headEnd type="none"/>
+            <a:tailEnd type="none"/>
+          </a:ln>
+        </p:spPr>
+        <p:style>
+          <a:lnRef idx="1">
+            <a:schemeClr val="accent1"/>
+          </a:lnRef>
+          <a:fillRef idx="0">
+            <a:schemeClr val="accent1"/>
+          </a:fillRef>
+          <a:effectRef idx="0">
+            <a:schemeClr val="accent1"/>
+          </a:effectRef>
+          <a:fontRef idx="minor">
+            <a:schemeClr val="tx1"/>
+          </a:fontRef>
+        </p:style>
+      </p:cxnSp>
+      <mc:AlternateContent xmlns:mc="http://schemas.openxmlformats.org/markup-compatibility/2006">
+        <mc:Choice xmlns:a14="http://schemas.microsoft.com/office/drawing/2010/main" Requires="a14">
+          <p:sp>
+            <p:nvSpPr>
+              <p:cNvPr id="7" name="文本框 6"/>
+              <p:cNvSpPr txBox="1"/>
+              <p:nvPr/>
+            </p:nvSpPr>
+            <p:spPr>
+              <a:xfrm>
+                <a:off x="1000062" y="2121154"/>
+                <a:ext cx="457835" cy="415290"/>
+              </a:xfrm>
+              <a:prstGeom prst="rect">
+                <a:avLst/>
+              </a:prstGeom>
+              <a:noFill/>
+            </p:spPr>
+            <p:txBody>
+              <a:bodyPr wrap="none" rtlCol="0" anchor="t">
+                <a:spAutoFit/>
+              </a:bodyPr>
+              <a:p>
+                <a:pPr algn="l"/>
+                <a14:m>
+                  <m:oMathPara xmlns:m="http://schemas.openxmlformats.org/officeDocument/2006/math">
+                    <m:oMathParaPr>
+                      <m:jc m:val="centerGroup"/>
+                    </m:oMathParaPr>
+                    <m:oMath xmlns:m="http://schemas.openxmlformats.org/officeDocument/2006/math">
+                      <m:sSub>
+                        <m:sSubPr>
+                          <m:ctrlPr>
+                            <a:rPr lang="en-US" altLang="zh-CN" i="1">
+                              <a:latin typeface="Cambria Math" charset="0"/>
+                              <a:cs typeface="Cambria Math" charset="0"/>
+                            </a:rPr>
+                          </m:ctrlPr>
+                        </m:sSubPr>
+                        <m:e>
+                          <m:r>
+                            <a:rPr lang="en-US" altLang="zh-CN" i="1">
+                              <a:latin typeface="Cambria Math" charset="0"/>
+                              <a:cs typeface="Cambria Math" charset="0"/>
+                            </a:rPr>
+                            <m:t>𝑃</m:t>
+                          </m:r>
+                        </m:e>
+                        <m:sub>
+                          <m:r>
+                            <a:rPr lang="en-US" altLang="zh-CN" i="1">
+                              <a:latin typeface="Cambria Math" charset="0"/>
+                              <a:cs typeface="Cambria Math" charset="0"/>
+                            </a:rPr>
+                            <m:t>1</m:t>
+                          </m:r>
+                        </m:sub>
+                      </m:sSub>
+                      <m:r>
+                        <a:rPr lang="en-US" altLang="zh-CN" i="1">
+                          <a:latin typeface="Cambria Math" charset="0"/>
+                          <a:cs typeface="Cambria Math" charset="0"/>
+                        </a:rPr>
+                        <m:t>:</m:t>
+                      </m:r>
+                    </m:oMath>
+                  </m:oMathPara>
+                </a14:m>
+                <a:endParaRPr lang="zh-CN" altLang="en-US"/>
+              </a:p>
+            </p:txBody>
+          </p:sp>
+        </mc:Choice>
+        <mc:Fallback>
+          <p:sp>
+            <p:nvSpPr>
+              <p:cNvPr id="7" name="文本框 6"/>
+              <p:cNvSpPr txBox="1">
+                <a:spLocks noRot="1" noChangeAspect="1" noMove="1" noResize="1" noEditPoints="1" noAdjustHandles="1" noChangeArrowheads="1" noChangeShapeType="1" noTextEdit="1"/>
+              </p:cNvSpPr>
+              <p:nvPr/>
+            </p:nvSpPr>
+            <p:spPr>
+              <a:xfrm>
+                <a:off x="1000062" y="2121154"/>
+                <a:ext cx="457835" cy="415290"/>
+              </a:xfrm>
+              <a:prstGeom prst="rect">
+                <a:avLst/>
+              </a:prstGeom>
+              <a:blipFill rotWithShape="1">
+                <a:blip r:embed="rId1"/>
+                <a:stretch>
+                  <a:fillRect l="-125" t="-61" r="125" b="61"/>
+                </a:stretch>
+              </a:blipFill>
+            </p:spPr>
+            <p:txBody>
+              <a:bodyPr/>
+              <a:lstStyle/>
+              <a:p>
+                <a:r>
+                  <a:rPr lang="zh-CN" altLang="en-US">
+                    <a:noFill/>
+                  </a:rPr>
+                  <a:t> </a:t>
+                </a:r>
+              </a:p>
+            </p:txBody>
+          </p:sp>
+        </mc:Fallback>
+      </mc:AlternateContent>
+      <p:sp>
+        <p:nvSpPr>
+          <p:cNvPr id="9" name="矩形 8"/>
+          <p:cNvSpPr/>
+          <p:nvPr/>
+        </p:nvSpPr>
+        <p:spPr/>
+      </p:sp>
+      <p:sp>
+        <p:nvSpPr>
+          <p:cNvPr id="10" name="矩形 9"/>
+          <p:cNvSpPr/>
+          <p:nvPr/>
+        </p:nvSpPr>
+        <p:spPr/>
+      </p:sp>
+      <p:sp>
+        <p:nvSpPr>
+          <p:cNvPr id="12" name="矩形 11"/>
+          <p:cNvSpPr/>
+          <p:nvPr/>
+        </p:nvSpPr>
+        <p:spPr/>
+      </p:sp>
+      <p:sp>
+        <p:nvSpPr>
+          <p:cNvPr id="13" name="矩形 12"/>
+          <p:cNvSpPr/>
+          <p:nvPr/>
+        </p:nvSpPr>
+        <p:spPr/>
+      </p:sp>
+      <p:sp>
+        <p:nvSpPr>
+          <p:cNvPr id="14" name="矩形 13"/>
+          <p:cNvSpPr/>
+          <p:nvPr/>
+        </p:nvSpPr>
+        <p:spPr/>
+      </p:sp>
+      <p:sp>
+        <p:nvSpPr>
+          <p:cNvPr id="16" name="矩形 15"/>
+          <p:cNvSpPr/>
+          <p:nvPr/>
+        </p:nvSpPr>
+        <p:spPr/>
+      </p:sp>
+      <p:cxnSp>
+        <p:nvCxnSpPr>
+          <p:cNvPr id="18" name="直接箭头连接符 17"/>
+          <p:cNvCxnSpPr/>
+          <p:nvPr/>
+        </p:nvCxnSpPr>
+        <p:spPr>
+          <a:xfrm flipV="1">
+            <a:off x="2014220" y="2287905"/>
+            <a:ext cx="2540" cy="108000"/>
+          </a:xfrm>
+          <a:prstGeom prst="straightConnector1">
+            <a:avLst/>
+          </a:prstGeom>
+          <a:ln w="25400">
+            <a:solidFill>
+              <a:schemeClr val="tx1"/>
+            </a:solidFill>
+            <a:headEnd type="none"/>
+            <a:tailEnd type="none"/>
+          </a:ln>
+        </p:spPr>
+        <p:style>
+          <a:lnRef idx="1">
+            <a:schemeClr val="accent1"/>
+          </a:lnRef>
+          <a:fillRef idx="0">
+            <a:schemeClr val="accent1"/>
+          </a:fillRef>
+          <a:effectRef idx="0">
+            <a:schemeClr val="accent1"/>
+          </a:effectRef>
+          <a:fontRef idx="minor">
+            <a:schemeClr val="tx1"/>
+          </a:fontRef>
+        </p:style>
+      </p:cxnSp>
+      <p:cxnSp>
+        <p:nvCxnSpPr>
+          <p:cNvPr id="19" name="直接箭头连接符 18"/>
+          <p:cNvCxnSpPr/>
+          <p:nvPr/>
+        </p:nvCxnSpPr>
+        <p:spPr>
+          <a:xfrm flipV="1">
+            <a:off x="3389630" y="2289810"/>
+            <a:ext cx="2540" cy="108000"/>
+          </a:xfrm>
+          <a:prstGeom prst="straightConnector1">
+            <a:avLst/>
+          </a:prstGeom>
+          <a:ln w="25400">
+            <a:solidFill>
+              <a:schemeClr val="tx1"/>
+            </a:solidFill>
+            <a:headEnd type="none"/>
+            <a:tailEnd type="none"/>
+          </a:ln>
+        </p:spPr>
+        <p:style>
+          <a:lnRef idx="1">
+            <a:schemeClr val="accent1"/>
+          </a:lnRef>
+          <a:fillRef idx="0">
+            <a:schemeClr val="accent1"/>
+          </a:fillRef>
+          <a:effectRef idx="0">
+            <a:schemeClr val="accent1"/>
+          </a:effectRef>
+          <a:fontRef idx="minor">
+            <a:schemeClr val="tx1"/>
+          </a:fontRef>
+        </p:style>
+      </p:cxnSp>
+      <mc:AlternateContent xmlns:mc="http://schemas.openxmlformats.org/markup-compatibility/2006">
+        <mc:Choice xmlns:a14="http://schemas.microsoft.com/office/drawing/2010/main" Requires="a14">
+          <p:sp>
+            <p:nvSpPr>
+              <p:cNvPr id="21" name="文本框 20"/>
+              <p:cNvSpPr txBox="1"/>
+              <p:nvPr/>
+            </p:nvSpPr>
+            <p:spPr>
+              <a:xfrm>
+                <a:off x="2171002" y="1869694"/>
+                <a:ext cx="1184910" cy="421640"/>
+              </a:xfrm>
+              <a:prstGeom prst="rect">
+                <a:avLst/>
+              </a:prstGeom>
+              <a:noFill/>
+            </p:spPr>
+            <p:txBody>
+              <a:bodyPr wrap="none" rtlCol="0" anchor="t">
+                <a:spAutoFit/>
+              </a:bodyPr>
+              <a:p>
+                <a:pPr algn="l"/>
+                <a14:m>
+                  <m:oMathPara xmlns:m="http://schemas.openxmlformats.org/officeDocument/2006/math">
+                    <m:oMathParaPr>
+                      <m:jc m:val="centerGroup"/>
+                    </m:oMathParaPr>
+                    <m:oMath xmlns:m="http://schemas.openxmlformats.org/officeDocument/2006/math">
+                      <m:r>
+                        <a:rPr lang="en-US" altLang="zh-CN" i="1">
+                          <a:latin typeface="Cambria Math" charset="0"/>
+                          <a:cs typeface="Cambria Math" charset="0"/>
+                        </a:rPr>
+                        <m:t>𝐴</m:t>
+                      </m:r>
+                      <m:r>
+                        <a:rPr lang="en-US" altLang="zh-CN" i="1">
+                          <a:latin typeface="Cambria Math" charset="0"/>
+                          <a:cs typeface="Cambria Math" charset="0"/>
+                        </a:rPr>
+                        <m:t>→</m:t>
+                      </m:r>
+                      <m:sSub>
+                        <m:sSubPr>
+                          <m:ctrlPr>
+                            <a:rPr lang="en-US" altLang="zh-CN" i="1">
+                              <a:latin typeface="Cambria Math" charset="0"/>
+                              <a:cs typeface="Cambria Math" charset="0"/>
+                            </a:rPr>
+                          </m:ctrlPr>
+                        </m:sSubPr>
+                        <m:e>
+                          <m:r>
+                            <a:rPr lang="en-US" altLang="zh-CN" i="1">
+                              <a:latin typeface="Cambria Math" charset="0"/>
+                              <a:cs typeface="Cambria Math" charset="0"/>
+                            </a:rPr>
+                            <m:t>𝑤</m:t>
+                          </m:r>
+                        </m:e>
+                        <m:sub>
+                          <m:r>
+                            <a:rPr lang="en-US" altLang="zh-CN" i="1">
+                              <a:latin typeface="Cambria Math" charset="0"/>
+                              <a:cs typeface="Cambria Math" charset="0"/>
+                            </a:rPr>
+                            <m:t> </m:t>
+                          </m:r>
+                          <m:r>
+                            <a:rPr lang="en-US" altLang="zh-CN" i="1">
+                              <a:latin typeface="Cambria Math" charset="0"/>
+                              <a:cs typeface="Cambria Math" charset="0"/>
+                            </a:rPr>
+                            <m:t>1</m:t>
+                          </m:r>
+                        </m:sub>
+                      </m:sSub>
+                      <m:r>
+                        <a:rPr lang="en-US" altLang="zh-CN" i="1">
+                          <a:latin typeface="Cambria Math" charset="0"/>
+                          <a:cs typeface="Cambria Math" charset="0"/>
+                        </a:rPr>
+                        <m:t>(</m:t>
+                      </m:r>
+                      <m:r>
+                        <a:rPr lang="en-US" altLang="zh-CN" i="1">
+                          <a:latin typeface="Cambria Math" charset="0"/>
+                          <a:cs typeface="Cambria Math" charset="0"/>
+                        </a:rPr>
+                        <m:t>𝑥</m:t>
+                      </m:r>
+                      <m:r>
+                        <a:rPr lang="en-US" altLang="zh-CN" i="1">
+                          <a:latin typeface="Cambria Math" charset="0"/>
+                          <a:cs typeface="Cambria Math" charset="0"/>
+                        </a:rPr>
+                        <m:t>)</m:t>
+                      </m:r>
+                    </m:oMath>
+                  </m:oMathPara>
+                </a14:m>
+                <a:endParaRPr lang="en-US" altLang="zh-CN"/>
+              </a:p>
+            </p:txBody>
+          </p:sp>
+        </mc:Choice>
+        <mc:Fallback>
+          <p:sp>
+            <p:nvSpPr>
+              <p:cNvPr id="21" name="文本框 20"/>
+              <p:cNvSpPr txBox="1">
+                <a:spLocks noRot="1" noChangeAspect="1" noMove="1" noResize="1" noEditPoints="1" noAdjustHandles="1" noChangeArrowheads="1" noChangeShapeType="1" noTextEdit="1"/>
+              </p:cNvSpPr>
+              <p:nvPr/>
+            </p:nvSpPr>
+            <p:spPr>
+              <a:xfrm>
+                <a:off x="2171002" y="1869694"/>
+                <a:ext cx="1184910" cy="421640"/>
+              </a:xfrm>
+              <a:prstGeom prst="rect">
+                <a:avLst/>
+              </a:prstGeom>
+              <a:blipFill rotWithShape="1">
+                <a:blip r:embed="rId2"/>
+                <a:stretch>
+                  <a:fillRect l="-48" t="-60" r="48" b="60"/>
+                </a:stretch>
+              </a:blipFill>
+            </p:spPr>
+            <p:txBody>
+              <a:bodyPr/>
+              <a:lstStyle/>
+              <a:p>
+                <a:r>
+                  <a:rPr lang="zh-CN" altLang="en-US">
+                    <a:noFill/>
+                  </a:rPr>
+                  <a:t> </a:t>
+                </a:r>
+              </a:p>
+            </p:txBody>
+          </p:sp>
+        </mc:Fallback>
+      </mc:AlternateContent>
+      <p:sp>
+        <p:nvSpPr>
+          <p:cNvPr id="23" name="矩形 22"/>
+          <p:cNvSpPr/>
+          <p:nvPr/>
+        </p:nvSpPr>
+        <p:spPr/>
+        <p:txBody>
+          <a:bodyPr/>
+          <a:p>
+            <a:endParaRPr lang="en-US" altLang="zh-CN"/>
+          </a:p>
+        </p:txBody>
+      </p:sp>
+      <mc:AlternateContent xmlns:mc="http://schemas.openxmlformats.org/markup-compatibility/2006">
+        <mc:Choice xmlns:a14="http://schemas.microsoft.com/office/drawing/2010/main" Requires="a14">
+          <p:sp>
+            <p:nvSpPr>
+              <p:cNvPr id="33" name="文本框 32"/>
+              <p:cNvSpPr txBox="1"/>
+              <p:nvPr/>
+            </p:nvSpPr>
+            <p:spPr>
+              <a:xfrm>
+                <a:off x="970852" y="3153664"/>
+                <a:ext cx="545465" cy="415290"/>
+              </a:xfrm>
+              <a:prstGeom prst="rect">
+                <a:avLst/>
+              </a:prstGeom>
+              <a:noFill/>
+            </p:spPr>
+            <p:txBody>
+              <a:bodyPr wrap="none" rtlCol="0" anchor="t">
+                <a:spAutoFit/>
+              </a:bodyPr>
+              <a:p>
+                <a:pPr algn="l"/>
+                <a14:m>
+                  <m:oMathPara xmlns:m="http://schemas.openxmlformats.org/officeDocument/2006/math">
+                    <m:oMathParaPr>
+                      <m:jc m:val="centerGroup"/>
+                    </m:oMathParaPr>
+                    <m:oMath xmlns:m="http://schemas.openxmlformats.org/officeDocument/2006/math">
+                      <m:sSub>
+                        <m:sSubPr>
+                          <m:ctrlPr>
+                            <a:rPr lang="en-US" altLang="zh-CN" i="1">
+                              <a:latin typeface="Cambria Math" charset="0"/>
+                              <a:cs typeface="Cambria Math" charset="0"/>
+                            </a:rPr>
+                          </m:ctrlPr>
+                        </m:sSubPr>
+                        <m:e>
+                          <m:r>
+                            <a:rPr lang="en-US" altLang="zh-CN" i="1">
+                              <a:latin typeface="Cambria Math" charset="0"/>
+                              <a:cs typeface="Cambria Math" charset="0"/>
+                            </a:rPr>
+                            <m:t>𝑃</m:t>
+                          </m:r>
+                        </m:e>
+                        <m:sub>
+                          <m:r>
+                            <a:rPr lang="en-US" altLang="zh-CN" i="1">
+                              <a:latin typeface="Cambria Math" charset="0"/>
+                              <a:cs typeface="Cambria Math" charset="0"/>
+                            </a:rPr>
+                            <m:t>2</m:t>
+                          </m:r>
+                        </m:sub>
+                      </m:sSub>
+                      <m:r>
+                        <a:rPr lang="en-US" altLang="zh-CN" i="1">
+                          <a:latin typeface="Cambria Math" charset="0"/>
+                          <a:cs typeface="Cambria Math" charset="0"/>
+                        </a:rPr>
+                        <m:t>:</m:t>
+                      </m:r>
+                    </m:oMath>
+                  </m:oMathPara>
+                </a14:m>
+                <a:endParaRPr lang="zh-CN" altLang="en-US"/>
+              </a:p>
+            </p:txBody>
+          </p:sp>
+        </mc:Choice>
+        <mc:Fallback>
+          <p:sp>
+            <p:nvSpPr>
+              <p:cNvPr id="33" name="文本框 32"/>
+              <p:cNvSpPr txBox="1">
+                <a:spLocks noRot="1" noChangeAspect="1" noMove="1" noResize="1" noEditPoints="1" noAdjustHandles="1" noChangeArrowheads="1" noChangeShapeType="1" noTextEdit="1"/>
+              </p:cNvSpPr>
+              <p:nvPr/>
+            </p:nvSpPr>
+            <p:spPr>
+              <a:xfrm>
+                <a:off x="970852" y="3153664"/>
+                <a:ext cx="545465" cy="415290"/>
+              </a:xfrm>
+              <a:prstGeom prst="rect">
+                <a:avLst/>
+              </a:prstGeom>
+              <a:blipFill rotWithShape="1">
+                <a:blip r:embed="rId3"/>
+                <a:stretch>
+                  <a:fillRect l="-105" t="-61" r="105" b="61"/>
+                </a:stretch>
+              </a:blipFill>
+            </p:spPr>
+            <p:txBody>
+              <a:bodyPr/>
+              <a:lstStyle/>
+              <a:p>
+                <a:r>
+                  <a:rPr lang="zh-CN" altLang="en-US">
+                    <a:noFill/>
+                  </a:rPr>
+                  <a:t> </a:t>
+                </a:r>
+              </a:p>
+            </p:txBody>
+          </p:sp>
+        </mc:Fallback>
+      </mc:AlternateContent>
+      <p:cxnSp>
+        <p:nvCxnSpPr>
+          <p:cNvPr id="34" name="直接箭头连接符 33"/>
+          <p:cNvCxnSpPr/>
+          <p:nvPr/>
+        </p:nvCxnSpPr>
+        <p:spPr>
+          <a:xfrm>
+            <a:off x="2040890" y="3376930"/>
+            <a:ext cx="1368000" cy="3175"/>
+          </a:xfrm>
+          <a:prstGeom prst="straightConnector1">
+            <a:avLst/>
+          </a:prstGeom>
+          <a:ln w="25400">
+            <a:solidFill>
+              <a:schemeClr val="tx1"/>
+            </a:solidFill>
+            <a:headEnd type="none"/>
+            <a:tailEnd type="none"/>
+          </a:ln>
+        </p:spPr>
+        <p:style>
+          <a:lnRef idx="1">
+            <a:schemeClr val="accent1"/>
+          </a:lnRef>
+          <a:fillRef idx="0">
+            <a:schemeClr val="accent1"/>
+          </a:fillRef>
+          <a:effectRef idx="0">
+            <a:schemeClr val="accent1"/>
+          </a:effectRef>
+          <a:fontRef idx="minor">
+            <a:schemeClr val="tx1"/>
+          </a:fontRef>
+        </p:style>
+      </p:cxnSp>
+      <p:cxnSp>
+        <p:nvCxnSpPr>
+          <p:cNvPr id="35" name="直接箭头连接符 34"/>
+          <p:cNvCxnSpPr/>
+          <p:nvPr/>
+        </p:nvCxnSpPr>
+        <p:spPr>
+          <a:xfrm flipV="1">
+            <a:off x="2027555" y="3322320"/>
+            <a:ext cx="2540" cy="108000"/>
+          </a:xfrm>
+          <a:prstGeom prst="straightConnector1">
+            <a:avLst/>
+          </a:prstGeom>
+          <a:ln w="25400">
+            <a:solidFill>
+              <a:schemeClr val="tx1"/>
+            </a:solidFill>
+            <a:headEnd type="none"/>
+            <a:tailEnd type="none"/>
+          </a:ln>
+        </p:spPr>
+        <p:style>
+          <a:lnRef idx="1">
+            <a:schemeClr val="accent1"/>
+          </a:lnRef>
+          <a:fillRef idx="0">
+            <a:schemeClr val="accent1"/>
+          </a:fillRef>
+          <a:effectRef idx="0">
+            <a:schemeClr val="accent1"/>
+          </a:effectRef>
+          <a:fontRef idx="minor">
+            <a:schemeClr val="tx1"/>
+          </a:fontRef>
+        </p:style>
+      </p:cxnSp>
+      <p:cxnSp>
+        <p:nvCxnSpPr>
+          <p:cNvPr id="36" name="直接箭头连接符 35"/>
+          <p:cNvCxnSpPr/>
+          <p:nvPr/>
+        </p:nvCxnSpPr>
+        <p:spPr>
+          <a:xfrm flipV="1">
+            <a:off x="3402965" y="3324225"/>
+            <a:ext cx="2540" cy="108000"/>
+          </a:xfrm>
+          <a:prstGeom prst="straightConnector1">
+            <a:avLst/>
+          </a:prstGeom>
+          <a:ln w="25400">
+            <a:solidFill>
+              <a:schemeClr val="tx1"/>
+            </a:solidFill>
+            <a:headEnd type="none"/>
+            <a:tailEnd type="none"/>
+          </a:ln>
+        </p:spPr>
+        <p:style>
+          <a:lnRef idx="1">
+            <a:schemeClr val="accent1"/>
+          </a:lnRef>
+          <a:fillRef idx="0">
+            <a:schemeClr val="accent1"/>
+          </a:fillRef>
+          <a:effectRef idx="0">
+            <a:schemeClr val="accent1"/>
+          </a:effectRef>
+          <a:fontRef idx="minor">
+            <a:schemeClr val="tx1"/>
+          </a:fontRef>
+        </p:style>
+      </p:cxnSp>
+      <mc:AlternateContent xmlns:mc="http://schemas.openxmlformats.org/markup-compatibility/2006">
+        <mc:Choice xmlns:a14="http://schemas.microsoft.com/office/drawing/2010/main" Requires="a14">
+          <p:sp>
+            <p:nvSpPr>
+              <p:cNvPr id="37" name="文本框 36"/>
+              <p:cNvSpPr txBox="1"/>
+              <p:nvPr/>
+            </p:nvSpPr>
+            <p:spPr>
+              <a:xfrm>
+                <a:off x="2114487" y="2932049"/>
+                <a:ext cx="1266190" cy="421640"/>
+              </a:xfrm>
+              <a:prstGeom prst="rect">
+                <a:avLst/>
+              </a:prstGeom>
+              <a:noFill/>
+            </p:spPr>
+            <p:txBody>
+              <a:bodyPr wrap="none" rtlCol="0" anchor="t">
+                <a:spAutoFit/>
+              </a:bodyPr>
+              <a:p>
+                <a:pPr algn="l"/>
+                <a14:m>
+                  <m:oMathPara xmlns:m="http://schemas.openxmlformats.org/officeDocument/2006/math">
+                    <m:oMathParaPr>
+                      <m:jc m:val="centerGroup"/>
+                    </m:oMathParaPr>
+                    <m:oMath xmlns:m="http://schemas.openxmlformats.org/officeDocument/2006/math">
+                      <m:r>
+                        <a:rPr lang="en-US" altLang="zh-CN" i="1">
+                          <a:latin typeface="Cambria Math" charset="0"/>
+                          <a:cs typeface="Cambria Math" charset="0"/>
+                        </a:rPr>
+                        <m:t>𝐵</m:t>
+                      </m:r>
+                      <m:r>
+                        <a:rPr lang="en-US" altLang="zh-CN" i="1">
+                          <a:latin typeface="Cambria Math" charset="0"/>
+                          <a:cs typeface="Cambria Math" charset="0"/>
+                        </a:rPr>
+                        <m:t> →</m:t>
+                      </m:r>
+                      <m:sSub>
+                        <m:sSubPr>
+                          <m:ctrlPr>
+                            <a:rPr lang="en-US" altLang="zh-CN" i="1">
+                              <a:latin typeface="Cambria Math" charset="0"/>
+                              <a:cs typeface="Cambria Math" charset="0"/>
+                            </a:rPr>
+                          </m:ctrlPr>
+                        </m:sSubPr>
+                        <m:e>
+                          <m:r>
+                            <a:rPr lang="en-US" altLang="zh-CN" i="1">
+                              <a:latin typeface="Cambria Math" charset="0"/>
+                              <a:cs typeface="Cambria Math" charset="0"/>
+                            </a:rPr>
+                            <m:t>𝑤</m:t>
+                          </m:r>
+                        </m:e>
+                        <m:sub>
+                          <m:r>
+                            <a:rPr lang="en-US" altLang="zh-CN" i="1">
+                              <a:latin typeface="Cambria Math" charset="0"/>
+                              <a:cs typeface="Cambria Math" charset="0"/>
+                            </a:rPr>
+                            <m:t> </m:t>
+                          </m:r>
+                          <m:r>
+                            <a:rPr lang="en-US" altLang="zh-CN" i="1">
+                              <a:latin typeface="Cambria Math" charset="0"/>
+                              <a:cs typeface="Cambria Math" charset="0"/>
+                            </a:rPr>
+                            <m:t>2</m:t>
+                          </m:r>
+                        </m:sub>
+                      </m:sSub>
+                      <m:r>
+                        <a:rPr lang="en-US" altLang="zh-CN" i="1">
+                          <a:latin typeface="Cambria Math" charset="0"/>
+                          <a:cs typeface="Cambria Math" charset="0"/>
+                        </a:rPr>
+                        <m:t>(</m:t>
+                      </m:r>
+                      <m:r>
+                        <a:rPr lang="en-US" altLang="zh-CN" i="1">
+                          <a:latin typeface="Cambria Math" charset="0"/>
+                          <a:cs typeface="Cambria Math" charset="0"/>
+                        </a:rPr>
+                        <m:t>𝑥</m:t>
+                      </m:r>
+                      <m:r>
+                        <a:rPr lang="en-US" altLang="zh-CN" i="1">
+                          <a:latin typeface="Cambria Math" charset="0"/>
+                          <a:cs typeface="Cambria Math" charset="0"/>
+                        </a:rPr>
+                        <m:t>)</m:t>
+                      </m:r>
+                    </m:oMath>
+                  </m:oMathPara>
+                </a14:m>
+                <a:endParaRPr lang="zh-CN" altLang="en-US"/>
+              </a:p>
+            </p:txBody>
+          </p:sp>
+        </mc:Choice>
+        <mc:Fallback>
+          <p:sp>
+            <p:nvSpPr>
+              <p:cNvPr id="37" name="文本框 36"/>
+              <p:cNvSpPr txBox="1">
+                <a:spLocks noRot="1" noChangeAspect="1" noMove="1" noResize="1" noEditPoints="1" noAdjustHandles="1" noChangeArrowheads="1" noChangeShapeType="1" noTextEdit="1"/>
+              </p:cNvSpPr>
+              <p:nvPr/>
+            </p:nvSpPr>
+            <p:spPr>
+              <a:xfrm>
+                <a:off x="2114487" y="2932049"/>
+                <a:ext cx="1266190" cy="421640"/>
+              </a:xfrm>
+              <a:prstGeom prst="rect">
+                <a:avLst/>
+              </a:prstGeom>
+              <a:blipFill rotWithShape="1">
+                <a:blip r:embed="rId4"/>
+                <a:stretch>
+                  <a:fillRect l="-45" t="-60" r="45" b="60"/>
+                </a:stretch>
+              </a:blipFill>
+            </p:spPr>
+            <p:txBody>
+              <a:bodyPr/>
+              <a:lstStyle/>
+              <a:p>
+                <a:r>
+                  <a:rPr lang="zh-CN" altLang="en-US">
+                    <a:noFill/>
+                  </a:rPr>
+                  <a:t> </a:t>
+                </a:r>
+              </a:p>
+            </p:txBody>
+          </p:sp>
+        </mc:Fallback>
+      </mc:AlternateContent>
+      <p:sp>
+        <p:nvSpPr>
+          <p:cNvPr id="55" name="文本框 54"/>
+          <p:cNvSpPr txBox="1"/>
+          <p:nvPr/>
+        </p:nvSpPr>
+        <p:spPr>
+          <a:xfrm>
+            <a:off x="1313180" y="203200"/>
+            <a:ext cx="2011680" cy="368300"/>
+          </a:xfrm>
+          <a:prstGeom prst="rect">
+            <a:avLst/>
+          </a:prstGeom>
+          <a:noFill/>
+        </p:spPr>
+        <p:txBody>
+          <a:bodyPr wrap="none" rtlCol="0">
+            <a:spAutoFit/>
+          </a:bodyPr>
+          <a:p>
+            <a:r>
+              <a:rPr lang="zh-CN" altLang="en-US"/>
+              <a:t>奇怪的因果一致性</a:t>
+            </a:r>
+            <a:endParaRPr lang="zh-CN" altLang="en-US"/>
+          </a:p>
+        </p:txBody>
+      </p:sp>
+      <p:cxnSp>
+        <p:nvCxnSpPr>
+          <p:cNvPr id="2" name="直接箭头连接符 1"/>
+          <p:cNvCxnSpPr/>
+          <p:nvPr/>
+        </p:nvCxnSpPr>
+        <p:spPr>
+          <a:xfrm>
+            <a:off x="4023995" y="3387090"/>
+            <a:ext cx="1368000" cy="3175"/>
+          </a:xfrm>
+          <a:prstGeom prst="straightConnector1">
+            <a:avLst/>
+          </a:prstGeom>
+          <a:ln w="25400">
+            <a:solidFill>
+              <a:schemeClr val="tx1"/>
+            </a:solidFill>
+            <a:headEnd type="none"/>
+            <a:tailEnd type="none"/>
+          </a:ln>
+        </p:spPr>
+        <p:style>
+          <a:lnRef idx="1">
+            <a:schemeClr val="accent1"/>
+          </a:lnRef>
+          <a:fillRef idx="0">
+            <a:schemeClr val="accent1"/>
+          </a:fillRef>
+          <a:effectRef idx="0">
+            <a:schemeClr val="accent1"/>
+          </a:effectRef>
+          <a:fontRef idx="minor">
+            <a:schemeClr val="tx1"/>
+          </a:fontRef>
+        </p:style>
+      </p:cxnSp>
+      <p:cxnSp>
+        <p:nvCxnSpPr>
+          <p:cNvPr id="3" name="直接箭头连接符 2"/>
+          <p:cNvCxnSpPr/>
+          <p:nvPr/>
+        </p:nvCxnSpPr>
+        <p:spPr>
+          <a:xfrm flipV="1">
+            <a:off x="4010660" y="3332480"/>
+            <a:ext cx="2540" cy="108000"/>
+          </a:xfrm>
+          <a:prstGeom prst="straightConnector1">
+            <a:avLst/>
+          </a:prstGeom>
+          <a:ln w="25400">
+            <a:solidFill>
+              <a:schemeClr val="tx1"/>
+            </a:solidFill>
+            <a:headEnd type="none"/>
+            <a:tailEnd type="none"/>
+          </a:ln>
+        </p:spPr>
+        <p:style>
+          <a:lnRef idx="1">
+            <a:schemeClr val="accent1"/>
+          </a:lnRef>
+          <a:fillRef idx="0">
+            <a:schemeClr val="accent1"/>
+          </a:fillRef>
+          <a:effectRef idx="0">
+            <a:schemeClr val="accent1"/>
+          </a:effectRef>
+          <a:fontRef idx="minor">
+            <a:schemeClr val="tx1"/>
+          </a:fontRef>
+        </p:style>
+      </p:cxnSp>
+      <p:cxnSp>
+        <p:nvCxnSpPr>
+          <p:cNvPr id="5" name="直接箭头连接符 4"/>
+          <p:cNvCxnSpPr/>
+          <p:nvPr/>
+        </p:nvCxnSpPr>
+        <p:spPr>
+          <a:xfrm flipV="1">
+            <a:off x="5386070" y="3334385"/>
+            <a:ext cx="2540" cy="108000"/>
+          </a:xfrm>
+          <a:prstGeom prst="straightConnector1">
+            <a:avLst/>
+          </a:prstGeom>
+          <a:ln w="25400">
+            <a:solidFill>
+              <a:schemeClr val="tx1"/>
+            </a:solidFill>
+            <a:headEnd type="none"/>
+            <a:tailEnd type="none"/>
+          </a:ln>
+        </p:spPr>
+        <p:style>
+          <a:lnRef idx="1">
+            <a:schemeClr val="accent1"/>
+          </a:lnRef>
+          <a:fillRef idx="0">
+            <a:schemeClr val="accent1"/>
+          </a:fillRef>
+          <a:effectRef idx="0">
+            <a:schemeClr val="accent1"/>
+          </a:effectRef>
+          <a:fontRef idx="minor">
+            <a:schemeClr val="tx1"/>
+          </a:fontRef>
+        </p:style>
+      </p:cxnSp>
+      <mc:AlternateContent xmlns:mc="http://schemas.openxmlformats.org/markup-compatibility/2006">
+        <mc:Choice xmlns:a14="http://schemas.microsoft.com/office/drawing/2010/main" Requires="a14">
+          <p:sp>
+            <p:nvSpPr>
+              <p:cNvPr id="6" name="文本框 5"/>
+              <p:cNvSpPr txBox="1"/>
+              <p:nvPr/>
+            </p:nvSpPr>
+            <p:spPr>
+              <a:xfrm>
+                <a:off x="4142677" y="2932049"/>
+                <a:ext cx="1191260" cy="415290"/>
+              </a:xfrm>
+              <a:prstGeom prst="rect">
+                <a:avLst/>
+              </a:prstGeom>
+              <a:noFill/>
+            </p:spPr>
+            <p:txBody>
+              <a:bodyPr wrap="none" rtlCol="0" anchor="t">
+                <a:spAutoFit/>
+              </a:bodyPr>
+              <a:p>
+                <a:pPr algn="l"/>
+                <a14:m>
+                  <m:oMathPara xmlns:m="http://schemas.openxmlformats.org/officeDocument/2006/math">
+                    <m:oMathParaPr>
+                      <m:jc m:val="centerGroup"/>
+                    </m:oMathParaPr>
+                    <m:oMath xmlns:m="http://schemas.openxmlformats.org/officeDocument/2006/math">
+                      <m:sSub>
+                        <m:sSubPr>
+                          <m:ctrlPr>
+                            <a:rPr lang="en-US" altLang="zh-CN" i="1">
+                              <a:latin typeface="Cambria Math" charset="0"/>
+                              <a:cs typeface="Cambria Math" charset="0"/>
+                            </a:rPr>
+                          </m:ctrlPr>
+                        </m:sSubPr>
+                        <m:e>
+                          <m:r>
+                            <a:rPr lang="en-US" altLang="zh-CN" i="1">
+                              <a:latin typeface="Cambria Math" charset="0"/>
+                              <a:cs typeface="Cambria Math" charset="0"/>
+                            </a:rPr>
+                            <m:t>𝑟</m:t>
+                          </m:r>
+                        </m:e>
+                        <m:sub>
+                          <m:r>
+                            <a:rPr lang="en-US" altLang="zh-CN" i="1">
+                              <a:latin typeface="Cambria Math" charset="0"/>
+                              <a:cs typeface="Cambria Math" charset="0"/>
+                            </a:rPr>
+                            <m:t>2</m:t>
+                          </m:r>
+                        </m:sub>
+                      </m:sSub>
+                      <m:r>
+                        <a:rPr lang="en-US" altLang="zh-CN" i="1">
+                          <a:latin typeface="Cambria Math" charset="0"/>
+                          <a:cs typeface="Cambria Math" charset="0"/>
+                        </a:rPr>
+                        <m:t>(</m:t>
+                      </m:r>
+                      <m:r>
+                        <a:rPr lang="en-US" altLang="zh-CN" i="1">
+                          <a:latin typeface="Cambria Math" charset="0"/>
+                          <a:cs typeface="Cambria Math" charset="0"/>
+                        </a:rPr>
+                        <m:t>𝑥</m:t>
+                      </m:r>
+                      <m:r>
+                        <a:rPr lang="en-US" altLang="zh-CN" i="1">
+                          <a:latin typeface="Cambria Math" charset="0"/>
+                          <a:cs typeface="Cambria Math" charset="0"/>
+                        </a:rPr>
+                        <m:t>)→</m:t>
+                      </m:r>
+                      <m:r>
+                        <a:rPr lang="en-US" altLang="zh-CN" i="1">
+                          <a:latin typeface="Cambria Math" charset="0"/>
+                          <a:cs typeface="Cambria Math" charset="0"/>
+                        </a:rPr>
+                        <m:t>𝐴</m:t>
+                      </m:r>
+                    </m:oMath>
+                  </m:oMathPara>
+                </a14:m>
+                <a:endParaRPr lang="zh-CN" altLang="en-US"/>
+              </a:p>
+            </p:txBody>
+          </p:sp>
+        </mc:Choice>
+        <mc:Fallback>
+          <p:sp>
+            <p:nvSpPr>
+              <p:cNvPr id="6" name="文本框 5"/>
+              <p:cNvSpPr txBox="1">
+                <a:spLocks noRot="1" noChangeAspect="1" noMove="1" noResize="1" noEditPoints="1" noAdjustHandles="1" noChangeArrowheads="1" noChangeShapeType="1" noTextEdit="1"/>
+              </p:cNvSpPr>
+              <p:nvPr/>
+            </p:nvSpPr>
+            <p:spPr>
+              <a:xfrm>
+                <a:off x="4142677" y="2932049"/>
+                <a:ext cx="1191260" cy="415290"/>
+              </a:xfrm>
+              <a:prstGeom prst="rect">
+                <a:avLst/>
+              </a:prstGeom>
+              <a:blipFill rotWithShape="1">
+                <a:blip r:embed="rId5"/>
+                <a:stretch>
+                  <a:fillRect l="-48" t="-61" r="48" b="61"/>
+                </a:stretch>
+              </a:blipFill>
+            </p:spPr>
+            <p:txBody>
+              <a:bodyPr/>
+              <a:lstStyle/>
+              <a:p>
+                <a:r>
+                  <a:rPr lang="zh-CN" altLang="en-US">
+                    <a:noFill/>
+                  </a:rPr>
+                  <a:t> </a:t>
+                </a:r>
+              </a:p>
+            </p:txBody>
+          </p:sp>
+        </mc:Fallback>
+      </mc:AlternateContent>
+      <p:cxnSp>
+        <p:nvCxnSpPr>
+          <p:cNvPr id="8" name="直接箭头连接符 7"/>
+          <p:cNvCxnSpPr/>
+          <p:nvPr/>
+        </p:nvCxnSpPr>
+        <p:spPr>
+          <a:xfrm>
+            <a:off x="4046855" y="2334260"/>
+            <a:ext cx="1368000" cy="3175"/>
+          </a:xfrm>
+          <a:prstGeom prst="straightConnector1">
+            <a:avLst/>
+          </a:prstGeom>
+          <a:ln w="25400">
+            <a:solidFill>
+              <a:schemeClr val="tx1"/>
+            </a:solidFill>
+            <a:headEnd type="none"/>
+            <a:tailEnd type="none"/>
+          </a:ln>
+        </p:spPr>
+        <p:style>
+          <a:lnRef idx="1">
+            <a:schemeClr val="accent1"/>
+          </a:lnRef>
+          <a:fillRef idx="0">
+            <a:schemeClr val="accent1"/>
+          </a:fillRef>
+          <a:effectRef idx="0">
+            <a:schemeClr val="accent1"/>
+          </a:effectRef>
+          <a:fontRef idx="minor">
+            <a:schemeClr val="tx1"/>
+          </a:fontRef>
+        </p:style>
+      </p:cxnSp>
+      <p:cxnSp>
+        <p:nvCxnSpPr>
+          <p:cNvPr id="11" name="直接箭头连接符 10"/>
+          <p:cNvCxnSpPr/>
+          <p:nvPr/>
+        </p:nvCxnSpPr>
+        <p:spPr>
+          <a:xfrm flipV="1">
+            <a:off x="4033520" y="2279650"/>
+            <a:ext cx="2540" cy="108000"/>
+          </a:xfrm>
+          <a:prstGeom prst="straightConnector1">
+            <a:avLst/>
+          </a:prstGeom>
+          <a:ln w="25400">
+            <a:solidFill>
+              <a:schemeClr val="tx1"/>
+            </a:solidFill>
+            <a:headEnd type="none"/>
+            <a:tailEnd type="none"/>
+          </a:ln>
+        </p:spPr>
+        <p:style>
+          <a:lnRef idx="1">
+            <a:schemeClr val="accent1"/>
+          </a:lnRef>
+          <a:fillRef idx="0">
+            <a:schemeClr val="accent1"/>
+          </a:fillRef>
+          <a:effectRef idx="0">
+            <a:schemeClr val="accent1"/>
+          </a:effectRef>
+          <a:fontRef idx="minor">
+            <a:schemeClr val="tx1"/>
+          </a:fontRef>
+        </p:style>
+      </p:cxnSp>
+      <p:cxnSp>
+        <p:nvCxnSpPr>
+          <p:cNvPr id="15" name="直接箭头连接符 14"/>
+          <p:cNvCxnSpPr/>
+          <p:nvPr/>
+        </p:nvCxnSpPr>
+        <p:spPr>
+          <a:xfrm flipV="1">
+            <a:off x="5408930" y="2281555"/>
+            <a:ext cx="2540" cy="108000"/>
+          </a:xfrm>
+          <a:prstGeom prst="straightConnector1">
+            <a:avLst/>
+          </a:prstGeom>
+          <a:ln w="25400">
+            <a:solidFill>
+              <a:schemeClr val="tx1"/>
+            </a:solidFill>
+            <a:headEnd type="none"/>
+            <a:tailEnd type="none"/>
+          </a:ln>
+        </p:spPr>
+        <p:style>
+          <a:lnRef idx="1">
+            <a:schemeClr val="accent1"/>
+          </a:lnRef>
+          <a:fillRef idx="0">
+            <a:schemeClr val="accent1"/>
+          </a:fillRef>
+          <a:effectRef idx="0">
+            <a:schemeClr val="accent1"/>
+          </a:effectRef>
+          <a:fontRef idx="minor">
+            <a:schemeClr val="tx1"/>
+          </a:fontRef>
+        </p:style>
+      </p:cxnSp>
+      <mc:AlternateContent xmlns:mc="http://schemas.openxmlformats.org/markup-compatibility/2006">
+        <mc:Choice xmlns:a14="http://schemas.microsoft.com/office/drawing/2010/main" Requires="a14">
+          <p:sp>
+            <p:nvSpPr>
+              <p:cNvPr id="17" name="文本框 16"/>
+              <p:cNvSpPr txBox="1"/>
+              <p:nvPr/>
+            </p:nvSpPr>
+            <p:spPr>
+              <a:xfrm>
+                <a:off x="4165537" y="1879219"/>
+                <a:ext cx="1179830" cy="415290"/>
+              </a:xfrm>
+              <a:prstGeom prst="rect">
+                <a:avLst/>
+              </a:prstGeom>
+              <a:noFill/>
+            </p:spPr>
+            <p:txBody>
+              <a:bodyPr wrap="none" rtlCol="0" anchor="t">
+                <a:spAutoFit/>
+              </a:bodyPr>
+              <a:p>
+                <a:pPr algn="l"/>
+                <a14:m>
+                  <m:oMathPara xmlns:m="http://schemas.openxmlformats.org/officeDocument/2006/math">
+                    <m:oMathParaPr>
+                      <m:jc m:val="centerGroup"/>
+                    </m:oMathParaPr>
+                    <m:oMath xmlns:m="http://schemas.openxmlformats.org/officeDocument/2006/math">
+                      <m:sSub>
+                        <m:sSubPr>
+                          <m:ctrlPr>
+                            <a:rPr lang="en-US" altLang="zh-CN" i="1">
+                              <a:latin typeface="Cambria Math" charset="0"/>
+                              <a:cs typeface="Cambria Math" charset="0"/>
+                            </a:rPr>
+                          </m:ctrlPr>
+                        </m:sSubPr>
+                        <m:e>
+                          <m:r>
+                            <a:rPr lang="en-US" altLang="zh-CN" i="1">
+                              <a:latin typeface="Cambria Math" charset="0"/>
+                              <a:cs typeface="Cambria Math" charset="0"/>
+                            </a:rPr>
+                            <m:t>𝑟</m:t>
+                          </m:r>
+                        </m:e>
+                        <m:sub>
+                          <m:r>
+                            <a:rPr lang="en-US" altLang="zh-CN" i="1">
+                              <a:latin typeface="Cambria Math" charset="0"/>
+                              <a:cs typeface="Cambria Math" charset="0"/>
+                            </a:rPr>
+                            <m:t>1</m:t>
+                          </m:r>
+                        </m:sub>
+                      </m:sSub>
+                      <m:r>
+                        <a:rPr lang="en-US" altLang="zh-CN" i="1">
+                          <a:latin typeface="Cambria Math" charset="0"/>
+                          <a:cs typeface="Cambria Math" charset="0"/>
+                        </a:rPr>
+                        <m:t>(</m:t>
+                      </m:r>
+                      <m:r>
+                        <a:rPr lang="en-US" altLang="zh-CN" i="1">
+                          <a:latin typeface="Cambria Math" charset="0"/>
+                          <a:cs typeface="Cambria Math" charset="0"/>
+                        </a:rPr>
+                        <m:t>𝑥</m:t>
+                      </m:r>
+                      <m:r>
+                        <a:rPr lang="en-US" altLang="zh-CN" i="1">
+                          <a:latin typeface="Cambria Math" charset="0"/>
+                          <a:cs typeface="Cambria Math" charset="0"/>
+                        </a:rPr>
+                        <m:t>)→</m:t>
+                      </m:r>
+                      <m:r>
+                        <a:rPr lang="en-US" altLang="zh-CN" i="1">
+                          <a:latin typeface="Cambria Math" charset="0"/>
+                          <a:cs typeface="Cambria Math" charset="0"/>
+                        </a:rPr>
+                        <m:t>𝐵</m:t>
+                      </m:r>
+                    </m:oMath>
+                  </m:oMathPara>
+                </a14:m>
+                <a:endParaRPr lang="zh-CN" altLang="en-US"/>
+              </a:p>
+            </p:txBody>
+          </p:sp>
+        </mc:Choice>
+        <mc:Fallback>
+          <p:sp>
+            <p:nvSpPr>
+              <p:cNvPr id="17" name="文本框 16"/>
+              <p:cNvSpPr txBox="1">
+                <a:spLocks noRot="1" noChangeAspect="1" noMove="1" noResize="1" noEditPoints="1" noAdjustHandles="1" noChangeArrowheads="1" noChangeShapeType="1" noTextEdit="1"/>
+              </p:cNvSpPr>
+              <p:nvPr/>
+            </p:nvSpPr>
+            <p:spPr>
+              <a:xfrm>
+                <a:off x="4165537" y="1879219"/>
+                <a:ext cx="1179830" cy="415290"/>
+              </a:xfrm>
+              <a:prstGeom prst="rect">
+                <a:avLst/>
+              </a:prstGeom>
+              <a:blipFill rotWithShape="1">
+                <a:blip r:embed="rId6"/>
+                <a:stretch>
+                  <a:fillRect l="-48" t="-61" r="48" b="61"/>
+                </a:stretch>
+              </a:blipFill>
+            </p:spPr>
+            <p:txBody>
+              <a:bodyPr/>
+              <a:lstStyle/>
+              <a:p>
+                <a:r>
+                  <a:rPr lang="zh-CN" altLang="en-US">
+                    <a:noFill/>
+                  </a:rPr>
+                  <a:t> </a:t>
+                </a:r>
+              </a:p>
+            </p:txBody>
+          </p:sp>
+        </mc:Fallback>
+      </mc:AlternateContent>
+    </p:spTree>
+  </p:cSld>
+  <p:clrMapOvr>
+    <a:masterClrMapping/>
+  </p:clrMapOvr>
+</p:sld>
+</file>
+
 <file path=ppt/theme/theme1.xml><?xml version="1.0" encoding="utf-8"?>
 <a:theme xmlns:a="http://schemas.openxmlformats.org/drawingml/2006/main" name="Office 主题">
   <a:themeElements>
